--- a/Slides/T20.pptx
+++ b/Slides/T20.pptx
@@ -12,8 +12,8 @@
     <p:sldId id="299" r:id="rId4"/>
     <p:sldId id="300" r:id="rId5"/>
     <p:sldId id="263" r:id="rId6"/>
-    <p:sldId id="301" r:id="rId7"/>
-    <p:sldId id="302" r:id="rId8"/>
+    <p:sldId id="302" r:id="rId7"/>
+    <p:sldId id="301" r:id="rId8"/>
     <p:sldId id="303" r:id="rId9"/>
     <p:sldId id="276" r:id="rId10"/>
   </p:sldIdLst>
@@ -1286,7 +1286,7 @@
         </p:nvSpPr>
         <p:spPr>
           <a:xfrm>
-            <a:off x="603250" y="2691130"/>
+            <a:off x="887730" y="2691130"/>
             <a:ext cx="10986135" cy="2030095"/>
           </a:xfrm>
           <a:prstGeom prst="rect">
@@ -1548,7 +1548,7 @@
         </p:nvSpPr>
         <p:spPr>
           <a:xfrm>
-            <a:off x="721995" y="533400"/>
+            <a:off x="807720" y="594360"/>
             <a:ext cx="4064000" cy="583565"/>
           </a:xfrm>
           <a:prstGeom prst="rect">
@@ -1566,7 +1566,7 @@
                 <a:latin typeface="Impact" panose="020B0806030902050204" pitchFamily="34" charset="0"/>
                 <a:cs typeface="Impact" panose="020B0806030902050204" pitchFamily="34" charset="0"/>
               </a:rPr>
-              <a:t>progress so far</a:t>
+              <a:t>Problems</a:t>
             </a:r>
             <a:endParaRPr lang="en-US" altLang="zh-CN" sz="3200">
               <a:latin typeface="Impact" panose="020B0806030902050204" pitchFamily="34" charset="0"/>
@@ -1583,8 +1583,8 @@
         </p:nvSpPr>
         <p:spPr>
           <a:xfrm>
-            <a:off x="721995" y="1610995"/>
-            <a:ext cx="10878820" cy="3636010"/>
+            <a:off x="807720" y="1921510"/>
+            <a:ext cx="10320020" cy="1332865"/>
           </a:xfrm>
           <a:prstGeom prst="rect">
             <a:avLst/>
@@ -1596,78 +1596,47 @@
             <a:noAutofit/>
           </a:bodyPr>
           <a:p>
-            <a:pPr marL="285750" indent="-285750" algn="just">
+            <a:pPr marL="285750" indent="-285750">
               <a:buFont typeface="Arial" panose="020B0604020202020204" pitchFamily="34" charset="0"/>
               <a:buChar char="•"/>
             </a:pPr>
             <a:r>
-              <a:rPr lang="en-US" altLang="zh-CN" sz="2000"/>
-              <a:t>Indentified the data cleaning rules</a:t>
-            </a:r>
-            <a:endParaRPr lang="en-US" altLang="zh-CN" sz="2000"/>
-          </a:p>
-          <a:p>
-            <a:pPr marL="285750" indent="-285750" algn="just">
+              <a:rPr lang="en-US" altLang="zh-CN"/>
+              <a:t>details when  cleaning data, according to deadlines which part should we drop</a:t>
+            </a:r>
+            <a:endParaRPr lang="en-US" altLang="zh-CN"/>
+          </a:p>
+          <a:p>
+            <a:pPr marL="285750" indent="-285750">
               <a:buFont typeface="Arial" panose="020B0604020202020204" pitchFamily="34" charset="0"/>
               <a:buChar char="•"/>
             </a:pPr>
-            <a:endParaRPr lang="en-US" altLang="zh-CN" sz="2000"/>
-          </a:p>
-          <a:p>
-            <a:pPr marL="285750" indent="-285750" algn="just">
+            <a:endParaRPr lang="en-US" altLang="zh-CN"/>
+          </a:p>
+          <a:p>
+            <a:pPr marL="285750" indent="-285750">
               <a:buFont typeface="Arial" panose="020B0604020202020204" pitchFamily="34" charset="0"/>
               <a:buChar char="•"/>
             </a:pPr>
             <a:r>
-              <a:rPr lang="en-US" altLang="zh-CN" sz="2000"/>
-              <a:t>Merging data.csv and log.csv</a:t>
-            </a:r>
-            <a:endParaRPr lang="en-US" altLang="zh-CN" sz="2000"/>
-          </a:p>
-          <a:p>
-            <a:pPr marL="285750" indent="-285750" algn="just">
+              <a:rPr lang="en-US" altLang="zh-CN"/>
+              <a:t>when merging data should we adding all the activities or should we choose the highest grade</a:t>
+            </a:r>
+            <a:endParaRPr lang="en-US" altLang="zh-CN"/>
+          </a:p>
+          <a:p>
+            <a:pPr marL="285750" indent="-285750">
               <a:buFont typeface="Arial" panose="020B0604020202020204" pitchFamily="34" charset="0"/>
               <a:buChar char="•"/>
             </a:pPr>
-            <a:endParaRPr lang="en-US" altLang="zh-CN" sz="2000"/>
-          </a:p>
-          <a:p>
-            <a:pPr marL="285750" indent="-285750" algn="just">
+            <a:endParaRPr lang="en-US" altLang="zh-CN"/>
+          </a:p>
+          <a:p>
+            <a:pPr marL="285750" indent="-285750">
               <a:buFont typeface="Arial" panose="020B0604020202020204" pitchFamily="34" charset="0"/>
               <a:buChar char="•"/>
             </a:pPr>
-            <a:r>
-              <a:rPr lang="en-US" altLang="zh-CN" sz="2000"/>
-              <a:t>Dividing the train set and test set</a:t>
-            </a:r>
-            <a:endParaRPr lang="en-US" altLang="zh-CN" sz="2000"/>
-          </a:p>
-          <a:p>
-            <a:pPr marL="285750" indent="-285750" algn="just">
-              <a:buFont typeface="Arial" panose="020B0604020202020204" pitchFamily="34" charset="0"/>
-              <a:buChar char="•"/>
-            </a:pPr>
-            <a:endParaRPr lang="en-US" altLang="zh-CN" sz="2000"/>
-          </a:p>
-          <a:p>
-            <a:pPr marL="285750" indent="-285750" algn="just">
-              <a:buFont typeface="Arial" panose="020B0604020202020204" pitchFamily="34" charset="0"/>
-              <a:buChar char="•"/>
-            </a:pPr>
-            <a:r>
-              <a:rPr lang="zh-CN" altLang="en-US" sz="2000">
-                <a:sym typeface="+mn-ea"/>
-              </a:rPr>
-              <a:t>Discussed how to categorize students' learning patterns, from the initial classification based on grades only to a multi-parameter and multi-dimensional assessment of students' learning status.</a:t>
-            </a:r>
-            <a:endParaRPr lang="en-US" altLang="zh-CN" sz="2000"/>
-          </a:p>
-          <a:p>
-            <a:pPr marL="285750" indent="-285750" algn="just">
-              <a:buFont typeface="Arial" panose="020B0604020202020204" pitchFamily="34" charset="0"/>
-              <a:buChar char="•"/>
-            </a:pPr>
-            <a:endParaRPr lang="en-US" altLang="zh-CN" sz="2000"/>
+            <a:endParaRPr lang="en-US" altLang="zh-CN"/>
           </a:p>
         </p:txBody>
       </p:sp>
@@ -1697,7 +1666,7 @@
         </p:nvSpPr>
         <p:spPr>
           <a:xfrm>
-            <a:off x="807720" y="594360"/>
+            <a:off x="721995" y="533400"/>
             <a:ext cx="4064000" cy="583565"/>
           </a:xfrm>
           <a:prstGeom prst="rect">
@@ -1715,12 +1684,104 @@
                 <a:latin typeface="Impact" panose="020B0806030902050204" pitchFamily="34" charset="0"/>
                 <a:cs typeface="Impact" panose="020B0806030902050204" pitchFamily="34" charset="0"/>
               </a:rPr>
-              <a:t>Blockers</a:t>
+              <a:t>progress so far</a:t>
             </a:r>
             <a:endParaRPr lang="en-US" altLang="zh-CN" sz="3200">
               <a:latin typeface="Impact" panose="020B0806030902050204" pitchFamily="34" charset="0"/>
               <a:cs typeface="Impact" panose="020B0806030902050204" pitchFamily="34" charset="0"/>
             </a:endParaRPr>
+          </a:p>
+        </p:txBody>
+      </p:sp>
+      <p:sp>
+        <p:nvSpPr>
+          <p:cNvPr id="3" name="文本框 2"/>
+          <p:cNvSpPr txBox="1"/>
+          <p:nvPr/>
+        </p:nvSpPr>
+        <p:spPr>
+          <a:xfrm>
+            <a:off x="721995" y="1610995"/>
+            <a:ext cx="10878820" cy="3636010"/>
+          </a:xfrm>
+          <a:prstGeom prst="rect">
+            <a:avLst/>
+          </a:prstGeom>
+          <a:noFill/>
+        </p:spPr>
+        <p:txBody>
+          <a:bodyPr wrap="square" rtlCol="0">
+            <a:noAutofit/>
+          </a:bodyPr>
+          <a:p>
+            <a:pPr marL="285750" indent="-285750" algn="just">
+              <a:buFont typeface="Arial" panose="020B0604020202020204" pitchFamily="34" charset="0"/>
+              <a:buChar char="•"/>
+            </a:pPr>
+            <a:r>
+              <a:rPr lang="en-US" altLang="zh-CN" sz="2000"/>
+              <a:t>Indentified the data cleaning rules</a:t>
+            </a:r>
+            <a:endParaRPr lang="en-US" altLang="zh-CN" sz="2000"/>
+          </a:p>
+          <a:p>
+            <a:pPr marL="285750" indent="-285750" algn="just">
+              <a:buFont typeface="Arial" panose="020B0604020202020204" pitchFamily="34" charset="0"/>
+              <a:buChar char="•"/>
+            </a:pPr>
+            <a:endParaRPr lang="en-US" altLang="zh-CN" sz="2000"/>
+          </a:p>
+          <a:p>
+            <a:pPr marL="285750" indent="-285750" algn="just">
+              <a:buFont typeface="Arial" panose="020B0604020202020204" pitchFamily="34" charset="0"/>
+              <a:buChar char="•"/>
+            </a:pPr>
+            <a:endParaRPr lang="en-US" altLang="zh-CN" sz="2000"/>
+          </a:p>
+          <a:p>
+            <a:pPr marL="285750" indent="-285750" algn="just">
+              <a:buFont typeface="Arial" panose="020B0604020202020204" pitchFamily="34" charset="0"/>
+              <a:buChar char="•"/>
+            </a:pPr>
+            <a:r>
+              <a:rPr lang="en-US" altLang="zh-CN" sz="2000"/>
+              <a:t>Merging data.csv and log.csv</a:t>
+            </a:r>
+            <a:endParaRPr lang="en-US" altLang="zh-CN" sz="2000"/>
+          </a:p>
+          <a:p>
+            <a:pPr marL="285750" indent="-285750" algn="just">
+              <a:buFont typeface="Arial" panose="020B0604020202020204" pitchFamily="34" charset="0"/>
+              <a:buChar char="•"/>
+            </a:pPr>
+            <a:endParaRPr lang="en-US" altLang="zh-CN" sz="2000"/>
+          </a:p>
+          <a:p>
+            <a:pPr marL="285750" indent="-285750" algn="just">
+              <a:buFont typeface="Arial" panose="020B0604020202020204" pitchFamily="34" charset="0"/>
+              <a:buChar char="•"/>
+            </a:pPr>
+            <a:endParaRPr lang="en-US" altLang="zh-CN" sz="2000"/>
+          </a:p>
+          <a:p>
+            <a:pPr marL="285750" indent="-285750" algn="just">
+              <a:buFont typeface="Arial" panose="020B0604020202020204" pitchFamily="34" charset="0"/>
+              <a:buChar char="•"/>
+            </a:pPr>
+            <a:r>
+              <a:rPr lang="zh-CN" altLang="en-US" sz="2000">
+                <a:sym typeface="+mn-ea"/>
+              </a:rPr>
+              <a:t>Discussed how to categorize students' learning patterns, from the initial classification based on grades only to a multi-parameter and multi-dimensional assessment of students' learning status.</a:t>
+            </a:r>
+            <a:endParaRPr lang="en-US" altLang="zh-CN" sz="2000"/>
+          </a:p>
+          <a:p>
+            <a:pPr marL="285750" indent="-285750" algn="just">
+              <a:buFont typeface="Arial" panose="020B0604020202020204" pitchFamily="34" charset="0"/>
+              <a:buChar char="•"/>
+            </a:pPr>
+            <a:endParaRPr lang="en-US" altLang="zh-CN" sz="2000"/>
           </a:p>
         </p:txBody>
       </p:sp>
@@ -1774,6 +1835,111 @@
               <a:latin typeface="Impact" panose="020B0806030902050204" pitchFamily="34" charset="0"/>
               <a:cs typeface="Impact" panose="020B0806030902050204" pitchFamily="34" charset="0"/>
             </a:endParaRPr>
+          </a:p>
+        </p:txBody>
+      </p:sp>
+      <p:sp>
+        <p:nvSpPr>
+          <p:cNvPr id="3" name="文本框 2"/>
+          <p:cNvSpPr txBox="1"/>
+          <p:nvPr/>
+        </p:nvSpPr>
+        <p:spPr>
+          <a:xfrm>
+            <a:off x="954405" y="2073275"/>
+            <a:ext cx="10234930" cy="2251075"/>
+          </a:xfrm>
+          <a:prstGeom prst="rect">
+            <a:avLst/>
+          </a:prstGeom>
+          <a:noFill/>
+        </p:spPr>
+        <p:txBody>
+          <a:bodyPr wrap="square" rtlCol="0">
+            <a:noAutofit/>
+          </a:bodyPr>
+          <a:p>
+            <a:pPr marL="285750" indent="-285750">
+              <a:buFont typeface="Arial" panose="020B0604020202020204" pitchFamily="34" charset="0"/>
+              <a:buChar char="•"/>
+            </a:pPr>
+            <a:r>
+              <a:rPr lang="en-US" altLang="zh-CN"/>
+              <a:t>what feature should we use when we classify the students ? </a:t>
+            </a:r>
+            <a:endParaRPr lang="en-US" altLang="zh-CN"/>
+          </a:p>
+          <a:p>
+            <a:pPr marL="285750" indent="-285750">
+              <a:buFont typeface="Arial" panose="020B0604020202020204" pitchFamily="34" charset="0"/>
+              <a:buChar char="•"/>
+            </a:pPr>
+            <a:endParaRPr lang="en-US" altLang="zh-CN"/>
+          </a:p>
+          <a:p>
+            <a:pPr indent="457200">
+              <a:buFont typeface="Arial" panose="020B0604020202020204" pitchFamily="34" charset="0"/>
+              <a:buNone/>
+            </a:pPr>
+            <a:r>
+              <a:rPr lang="en-US" altLang="zh-CN"/>
+              <a:t>- the sum of attempts and the relationship with the final grade</a:t>
+            </a:r>
+            <a:endParaRPr lang="en-US" altLang="zh-CN"/>
+          </a:p>
+          <a:p>
+            <a:pPr indent="457200">
+              <a:buFont typeface="Arial" panose="020B0604020202020204" pitchFamily="34" charset="0"/>
+              <a:buNone/>
+            </a:pPr>
+            <a:endParaRPr lang="en-US" altLang="zh-CN"/>
+          </a:p>
+          <a:p>
+            <a:pPr indent="457200">
+              <a:buFont typeface="Arial" panose="020B0604020202020204" pitchFamily="34" charset="0"/>
+              <a:buNone/>
+            </a:pPr>
+            <a:r>
+              <a:rPr lang="en-US" altLang="zh-CN"/>
+              <a:t>- the sum of attempts and the relationship with the activity score</a:t>
+            </a:r>
+            <a:endParaRPr lang="en-US" altLang="zh-CN"/>
+          </a:p>
+          <a:p>
+            <a:pPr indent="457200">
+              <a:buFont typeface="Arial" panose="020B0604020202020204" pitchFamily="34" charset="0"/>
+              <a:buNone/>
+            </a:pPr>
+            <a:endParaRPr lang="en-US" altLang="zh-CN"/>
+          </a:p>
+          <a:p>
+            <a:pPr marL="285750" indent="-285750">
+              <a:buFont typeface="Arial" panose="020B0604020202020204" pitchFamily="34" charset="0"/>
+              <a:buChar char="•"/>
+            </a:pPr>
+            <a:r>
+              <a:rPr lang="en-US" altLang="zh-CN"/>
+              <a:t>what model should we use when classify the students?</a:t>
+            </a:r>
+            <a:endParaRPr lang="en-US" altLang="zh-CN"/>
+          </a:p>
+          <a:p>
+            <a:pPr marL="285750" indent="-285750">
+              <a:buFont typeface="Arial" panose="020B0604020202020204" pitchFamily="34" charset="0"/>
+              <a:buChar char="•"/>
+            </a:pPr>
+            <a:endParaRPr lang="en-US" altLang="zh-CN"/>
+          </a:p>
+          <a:p>
+            <a:pPr lvl="1" indent="0">
+              <a:buFont typeface="Arial" panose="020B0604020202020204" pitchFamily="34" charset="0"/>
+              <a:buNone/>
+            </a:pPr>
+            <a:r>
+              <a:rPr lang="en-US" altLang="zh-CN"/>
+              <a:t>- KNN model</a:t>
+            </a:r>
+            <a:endParaRPr lang="en-US" altLang="zh-CN"/>
           </a:p>
         </p:txBody>
       </p:sp>

--- a/Slides/T20.pptx
+++ b/Slides/T20.pptx
@@ -1772,6 +1772,68 @@
               <a:rPr lang="zh-CN" altLang="en-US" sz="2000">
                 <a:sym typeface="+mn-ea"/>
               </a:rPr>
+              <a:t>Discussed </a:t>
+            </a:r>
+            <a:r>
+              <a:rPr lang="en-US" altLang="zh-CN" sz="2000">
+                <a:sym typeface="+mn-ea"/>
+              </a:rPr>
+              <a:t>the choice of model </a:t>
+            </a:r>
+            <a:r>
+              <a:rPr lang="zh-CN" altLang="en-US" sz="2000">
+                <a:sym typeface="+mn-ea"/>
+              </a:rPr>
+              <a:t>how to</a:t>
+            </a:r>
+            <a:r>
+              <a:rPr lang="en-US" altLang="zh-CN" sz="2000">
+                <a:sym typeface="+mn-ea"/>
+              </a:rPr>
+              <a:t> predict the students’ final score</a:t>
+            </a:r>
+            <a:endParaRPr lang="en-US" altLang="zh-CN" sz="2000">
+              <a:sym typeface="+mn-ea"/>
+            </a:endParaRPr>
+          </a:p>
+          <a:p>
+            <a:pPr indent="457200" algn="just">
+              <a:buFont typeface="Arial" panose="020B0604020202020204" pitchFamily="34" charset="0"/>
+              <a:buNone/>
+            </a:pPr>
+            <a:r>
+              <a:rPr lang="en-US" altLang="zh-CN" sz="2000"/>
+              <a:t>- linear regression</a:t>
+            </a:r>
+            <a:endParaRPr lang="en-US" altLang="zh-CN" sz="2000"/>
+          </a:p>
+          <a:p>
+            <a:pPr indent="457200" algn="just">
+              <a:buFont typeface="Arial" panose="020B0604020202020204" pitchFamily="34" charset="0"/>
+              <a:buNone/>
+            </a:pPr>
+            <a:r>
+              <a:rPr lang="en-US" altLang="zh-CN" sz="2000"/>
+              <a:t>- decision tree</a:t>
+            </a:r>
+            <a:endParaRPr lang="en-US" altLang="zh-CN" sz="2000"/>
+          </a:p>
+          <a:p>
+            <a:pPr marL="285750" indent="-285750" algn="just">
+              <a:buFont typeface="Arial" panose="020B0604020202020204" pitchFamily="34" charset="0"/>
+              <a:buChar char="•"/>
+            </a:pPr>
+            <a:endParaRPr lang="en-US" altLang="zh-CN" sz="2000"/>
+          </a:p>
+          <a:p>
+            <a:pPr marL="285750" indent="-285750" algn="just">
+              <a:buFont typeface="Arial" panose="020B0604020202020204" pitchFamily="34" charset="0"/>
+              <a:buChar char="•"/>
+            </a:pPr>
+            <a:r>
+              <a:rPr lang="zh-CN" altLang="en-US" sz="2000">
+                <a:sym typeface="+mn-ea"/>
+              </a:rPr>
               <a:t>Discussed how to categorize students' learning patterns, from the initial classification based on grades only to a multi-parameter and multi-dimensional assessment of students' learning status.</a:t>
             </a:r>
             <a:endParaRPr lang="en-US" altLang="zh-CN" sz="2000"/>
@@ -1847,7 +1909,7 @@
         <p:spPr>
           <a:xfrm>
             <a:off x="954405" y="2073275"/>
-            <a:ext cx="10234930" cy="2251075"/>
+            <a:ext cx="10234930" cy="4355465"/>
           </a:xfrm>
           <a:prstGeom prst="rect">
             <a:avLst/>
@@ -1937,7 +1999,25 @@
             </a:pPr>
             <a:r>
               <a:rPr lang="en-US" altLang="zh-CN"/>
-              <a:t>- KNN model</a:t>
+              <a:t>- Hierarchical Clustering</a:t>
+            </a:r>
+            <a:endParaRPr lang="en-US" altLang="zh-CN"/>
+          </a:p>
+          <a:p>
+            <a:pPr lvl="1" indent="0">
+              <a:buFont typeface="Arial" panose="020B0604020202020204" pitchFamily="34" charset="0"/>
+              <a:buNone/>
+            </a:pPr>
+            <a:endParaRPr lang="en-US" altLang="zh-CN"/>
+          </a:p>
+          <a:p>
+            <a:pPr lvl="1" indent="0">
+              <a:buFont typeface="Arial" panose="020B0604020202020204" pitchFamily="34" charset="0"/>
+              <a:buNone/>
+            </a:pPr>
+            <a:r>
+              <a:rPr lang="en-US" altLang="zh-CN"/>
+              <a:t>- K-Means</a:t>
             </a:r>
             <a:endParaRPr lang="en-US" altLang="zh-CN"/>
           </a:p>

--- a/Slides/T20.pptx
+++ b/Slides/T20.pptx
@@ -5,22 +5,21 @@
     <p:sldMasterId id="2147483648" r:id="rId1"/>
   </p:sldMasterIdLst>
   <p:notesMasterIdLst>
-    <p:notesMasterId r:id="rId11"/>
+    <p:notesMasterId r:id="rId8"/>
   </p:notesMasterIdLst>
   <p:sldIdLst>
     <p:sldId id="258" r:id="rId3"/>
     <p:sldId id="299" r:id="rId4"/>
     <p:sldId id="300" r:id="rId5"/>
     <p:sldId id="263" r:id="rId6"/>
-    <p:sldId id="302" r:id="rId7"/>
-    <p:sldId id="301" r:id="rId8"/>
+    <p:sldId id="301" r:id="rId7"/>
     <p:sldId id="303" r:id="rId9"/>
     <p:sldId id="276" r:id="rId10"/>
   </p:sldIdLst>
   <p:sldSz cx="12192000" cy="6858000"/>
   <p:notesSz cx="6858000" cy="9144000"/>
   <p:custDataLst>
-    <p:tags r:id="rId15"/>
+    <p:tags r:id="rId14"/>
   </p:custDataLst>
   <p:defaultTextStyle>
     <a:defPPr>
@@ -481,6 +480,118 @@
     </a:lvl9pPr>
   </p:notesStyle>
 </p:notesMaster>
+</file>
+
+<file path=ppt/notesSlides/notesSlide1.xml><?xml version="1.0" encoding="utf-8"?>
+<p:notes xmlns:a="http://schemas.openxmlformats.org/drawingml/2006/main" xmlns:r="http://schemas.openxmlformats.org/officeDocument/2006/relationships" xmlns:p="http://schemas.openxmlformats.org/presentationml/2006/main">
+  <p:cSld>
+    <p:spTree>
+      <p:nvGrpSpPr>
+        <p:cNvPr id="1" name=""/>
+        <p:cNvGrpSpPr/>
+        <p:nvPr/>
+      </p:nvGrpSpPr>
+      <p:grpSpPr/>
+      <p:sp>
+        <p:nvSpPr>
+          <p:cNvPr id="2" name="幻灯片图像占位符 1"/>
+          <p:cNvSpPr>
+            <a:spLocks noGrp="1"/>
+          </p:cNvSpPr>
+          <p:nvPr>
+            <p:ph type="sldImg" idx="2"/>
+          </p:nvPr>
+        </p:nvSpPr>
+        <p:spPr/>
+      </p:sp>
+      <p:sp>
+        <p:nvSpPr>
+          <p:cNvPr id="3" name="文本占位符 2"/>
+          <p:cNvSpPr>
+            <a:spLocks noGrp="1"/>
+          </p:cNvSpPr>
+          <p:nvPr>
+            <p:ph type="body" idx="3"/>
+          </p:nvPr>
+        </p:nvSpPr>
+        <p:spPr/>
+        <p:txBody>
+          <a:bodyPr/>
+          <a:p>
+            <a:pPr lvl="1" indent="0" algn="just">
+              <a:buFont typeface="Arial" panose="020B0604020202020204" pitchFamily="34" charset="0"/>
+              <a:buNone/>
+            </a:pPr>
+            <a:r>
+              <a:rPr lang="en-US" altLang="zh-CN"/>
+              <a:t>data cleaning:</a:t>
+            </a:r>
+            <a:endParaRPr lang="en-US" altLang="zh-CN"/>
+          </a:p>
+          <a:p>
+            <a:pPr lvl="1" indent="0" algn="just">
+              <a:buFont typeface="Arial" panose="020B0604020202020204" pitchFamily="34" charset="0"/>
+              <a:buNone/>
+            </a:pPr>
+            <a:r>
+              <a:rPr lang="en-US" altLang="zh-CN">
+                <a:sym typeface="+mn-ea"/>
+              </a:rPr>
+              <a:t>for log.csv we only keep the highest score which before the deadline</a:t>
+            </a:r>
+            <a:endParaRPr lang="en-US" altLang="zh-CN"/>
+          </a:p>
+          <a:p>
+            <a:pPr lvl="1" indent="0" algn="just">
+              <a:buFont typeface="Arial" panose="020B0604020202020204" pitchFamily="34" charset="0"/>
+              <a:buNone/>
+            </a:pPr>
+            <a:r>
+              <a:rPr lang="en-US" altLang="zh-CN">
+                <a:sym typeface="+mn-ea"/>
+              </a:rPr>
+              <a:t>for data.csv we replace - with NaN, delete the data that does not participate in any activity or got F due to other activtiy and delete the data that got A in the pre-exam</a:t>
+            </a:r>
+            <a:endParaRPr lang="en-US" altLang="zh-CN">
+              <a:sym typeface="+mn-ea"/>
+            </a:endParaRPr>
+          </a:p>
+          <a:p>
+            <a:pPr lvl="1" indent="0" algn="just">
+              <a:buFont typeface="Arial" panose="020B0604020202020204" pitchFamily="34" charset="0"/>
+              <a:buNone/>
+            </a:pPr>
+            <a:r>
+              <a:rPr lang="en-US" altLang="zh-CN">
+                <a:sym typeface="+mn-ea"/>
+              </a:rPr>
+              <a:t>data merging:</a:t>
+            </a:r>
+            <a:endParaRPr lang="en-US" altLang="zh-CN">
+              <a:sym typeface="+mn-ea"/>
+            </a:endParaRPr>
+          </a:p>
+          <a:p>
+            <a:pPr lvl="1" indent="0" algn="just">
+              <a:buFont typeface="Arial" panose="020B0604020202020204" pitchFamily="34" charset="0"/>
+              <a:buNone/>
+            </a:pPr>
+            <a:r>
+              <a:rPr lang="en-US" altLang="zh-CN">
+                <a:sym typeface="+mn-ea"/>
+              </a:rPr>
+              <a:t>problem??</a:t>
+            </a:r>
+            <a:endParaRPr lang="en-US" altLang="zh-CN"/>
+          </a:p>
+        </p:txBody>
+      </p:sp>
+    </p:spTree>
+  </p:cSld>
+  <p:clrMapOvr>
+    <a:masterClrMapping/>
+  </p:clrMapOvr>
+</p:notes>
 </file>
 
 <file path=ppt/slideLayouts/slideLayout1.xml><?xml version="1.0" encoding="utf-8"?>
@@ -1251,7 +1362,7 @@
         </p:nvSpPr>
         <p:spPr>
           <a:xfrm>
-            <a:off x="887730" y="1141095"/>
+            <a:off x="887730" y="1176655"/>
             <a:ext cx="5443220" cy="803910"/>
           </a:xfrm>
           <a:prstGeom prst="rect">
@@ -1269,7 +1380,7 @@
                 <a:latin typeface="Impact" panose="020B0806030902050204" pitchFamily="34" charset="0"/>
                 <a:cs typeface="Impact" panose="020B0806030902050204" pitchFamily="34" charset="0"/>
               </a:rPr>
-              <a:t>project owner and problem</a:t>
+              <a:t>project owner</a:t>
             </a:r>
             <a:endParaRPr lang="en-US" altLang="zh-CN" sz="3200">
               <a:latin typeface="Impact" panose="020B0806030902050204" pitchFamily="34" charset="0"/>
@@ -1477,7 +1588,7 @@
         <p:spPr>
           <a:xfrm>
             <a:off x="488950" y="2127885"/>
-            <a:ext cx="10400665" cy="922020"/>
+            <a:ext cx="10400665" cy="1198880"/>
           </a:xfrm>
           <a:prstGeom prst="rect">
             <a:avLst/>
@@ -1495,8 +1606,15 @@
             </a:pPr>
             <a:r>
               <a:rPr lang="zh-CN" altLang="en-US"/>
-              <a:t>Predict the final score  based on their early activity</a:t>
-            </a:r>
+              <a:t>Predict the final score based on their early activity</a:t>
+            </a:r>
+            <a:endParaRPr lang="zh-CN" altLang="en-US"/>
+          </a:p>
+          <a:p>
+            <a:pPr marL="285750" indent="-285750">
+              <a:buFont typeface="Arial" panose="020B0604020202020204" pitchFamily="34" charset="0"/>
+              <a:buChar char="•"/>
+            </a:pPr>
             <a:endParaRPr lang="zh-CN" altLang="en-US"/>
           </a:p>
           <a:p>
@@ -1548,8 +1666,8 @@
         </p:nvSpPr>
         <p:spPr>
           <a:xfrm>
-            <a:off x="807720" y="594360"/>
-            <a:ext cx="4064000" cy="583565"/>
+            <a:off x="721995" y="226695"/>
+            <a:ext cx="5879465" cy="794385"/>
           </a:xfrm>
           <a:prstGeom prst="rect">
             <a:avLst/>
@@ -1558,7 +1676,7 @@
         </p:spPr>
         <p:txBody>
           <a:bodyPr wrap="square" rtlCol="0">
-            <a:spAutoFit/>
+            <a:noAutofit/>
           </a:bodyPr>
           <a:p>
             <a:r>
@@ -1566,7 +1684,7 @@
                 <a:latin typeface="Impact" panose="020B0806030902050204" pitchFamily="34" charset="0"/>
                 <a:cs typeface="Impact" panose="020B0806030902050204" pitchFamily="34" charset="0"/>
               </a:rPr>
-              <a:t>Problems</a:t>
+              <a:t>progress so far &amp; problems</a:t>
             </a:r>
             <a:endParaRPr lang="en-US" altLang="zh-CN" sz="3200">
               <a:latin typeface="Impact" panose="020B0806030902050204" pitchFamily="34" charset="0"/>
@@ -1583,8 +1701,8 @@
         </p:nvSpPr>
         <p:spPr>
           <a:xfrm>
-            <a:off x="807720" y="1921510"/>
-            <a:ext cx="10320020" cy="1332865"/>
+            <a:off x="721995" y="1711325"/>
+            <a:ext cx="11061700" cy="4438015"/>
           </a:xfrm>
           <a:prstGeom prst="rect">
             <a:avLst/>
@@ -1596,47 +1714,120 @@
             <a:noAutofit/>
           </a:bodyPr>
           <a:p>
-            <a:pPr marL="285750" indent="-285750">
+            <a:pPr marL="285750" indent="-285750" algn="just">
               <a:buFont typeface="Arial" panose="020B0604020202020204" pitchFamily="34" charset="0"/>
               <a:buChar char="•"/>
             </a:pPr>
             <a:r>
-              <a:rPr lang="en-US" altLang="zh-CN"/>
-              <a:t>details when  cleaning data, according to deadlines which part should we drop</a:t>
-            </a:r>
-            <a:endParaRPr lang="en-US" altLang="zh-CN"/>
-          </a:p>
-          <a:p>
-            <a:pPr marL="285750" indent="-285750">
+              <a:rPr lang="en-US" altLang="zh-CN" sz="2000"/>
+              <a:t>Indentified the data cleaning rules</a:t>
+            </a:r>
+            <a:endParaRPr lang="en-US" altLang="zh-CN" sz="2000"/>
+          </a:p>
+          <a:p>
+            <a:pPr indent="0" algn="just">
+              <a:buFont typeface="Arial" panose="020B0604020202020204" pitchFamily="34" charset="0"/>
+              <a:buNone/>
+            </a:pPr>
+            <a:endParaRPr lang="en-US" altLang="zh-CN" sz="2000"/>
+          </a:p>
+          <a:p>
+            <a:pPr marL="285750" indent="-285750" algn="just">
               <a:buFont typeface="Arial" panose="020B0604020202020204" pitchFamily="34" charset="0"/>
               <a:buChar char="•"/>
             </a:pPr>
-            <a:endParaRPr lang="en-US" altLang="zh-CN"/>
-          </a:p>
-          <a:p>
-            <a:pPr marL="285750" indent="-285750">
+            <a:endParaRPr lang="en-US" altLang="zh-CN" sz="2000"/>
+          </a:p>
+          <a:p>
+            <a:pPr marL="285750" indent="-285750" algn="just">
               <a:buFont typeface="Arial" panose="020B0604020202020204" pitchFamily="34" charset="0"/>
               <a:buChar char="•"/>
             </a:pPr>
             <a:r>
-              <a:rPr lang="en-US" altLang="zh-CN"/>
-              <a:t>when merging data should we adding all the activities or should we choose the highest grade</a:t>
-            </a:r>
-            <a:endParaRPr lang="en-US" altLang="zh-CN"/>
-          </a:p>
-          <a:p>
-            <a:pPr marL="285750" indent="-285750">
+              <a:rPr lang="en-US" altLang="zh-CN" sz="2000"/>
+              <a:t>Merging data.csv and log.csv</a:t>
+            </a:r>
+            <a:endParaRPr lang="en-US" altLang="zh-CN" sz="2000"/>
+          </a:p>
+          <a:p>
+            <a:pPr marL="285750" indent="-285750" algn="just">
               <a:buFont typeface="Arial" panose="020B0604020202020204" pitchFamily="34" charset="0"/>
               <a:buChar char="•"/>
             </a:pPr>
-            <a:endParaRPr lang="en-US" altLang="zh-CN"/>
-          </a:p>
-          <a:p>
-            <a:pPr marL="285750" indent="-285750">
+            <a:endParaRPr lang="en-US" altLang="zh-CN" sz="2000"/>
+          </a:p>
+          <a:p>
+            <a:pPr marL="285750" indent="-285750" algn="just">
               <a:buFont typeface="Arial" panose="020B0604020202020204" pitchFamily="34" charset="0"/>
               <a:buChar char="•"/>
             </a:pPr>
-            <a:endParaRPr lang="en-US" altLang="zh-CN"/>
+            <a:endParaRPr lang="en-US" altLang="zh-CN" sz="2000"/>
+          </a:p>
+          <a:p>
+            <a:pPr marL="285750" indent="-285750" algn="just">
+              <a:buFont typeface="Arial" panose="020B0604020202020204" pitchFamily="34" charset="0"/>
+              <a:buChar char="•"/>
+            </a:pPr>
+            <a:r>
+              <a:rPr lang="zh-CN" altLang="en-US" sz="2000">
+                <a:sym typeface="+mn-ea"/>
+              </a:rPr>
+              <a:t>Discussed </a:t>
+            </a:r>
+            <a:r>
+              <a:rPr lang="en-US" altLang="zh-CN" sz="2000">
+                <a:sym typeface="+mn-ea"/>
+              </a:rPr>
+              <a:t>the choice of model on predicting the students’ final score</a:t>
+            </a:r>
+            <a:endParaRPr lang="en-US" altLang="zh-CN" sz="2000">
+              <a:sym typeface="+mn-ea"/>
+            </a:endParaRPr>
+          </a:p>
+          <a:p>
+            <a:pPr marL="285750" indent="-285750" algn="just">
+              <a:buFont typeface="Arial" panose="020B0604020202020204" pitchFamily="34" charset="0"/>
+              <a:buChar char="•"/>
+            </a:pPr>
+            <a:endParaRPr lang="en-US" altLang="zh-CN" sz="2000">
+              <a:sym typeface="+mn-ea"/>
+            </a:endParaRPr>
+          </a:p>
+          <a:p>
+            <a:pPr indent="457200" algn="just">
+              <a:buFont typeface="Arial" panose="020B0604020202020204" pitchFamily="34" charset="0"/>
+              <a:buNone/>
+            </a:pPr>
+            <a:r>
+              <a:rPr lang="en-US" altLang="zh-CN" sz="2000"/>
+              <a:t>- linear regression</a:t>
+            </a:r>
+            <a:endParaRPr lang="en-US" altLang="zh-CN" sz="2000"/>
+          </a:p>
+          <a:p>
+            <a:pPr indent="457200" algn="just">
+              <a:buFont typeface="Arial" panose="020B0604020202020204" pitchFamily="34" charset="0"/>
+              <a:buNone/>
+            </a:pPr>
+            <a:endParaRPr lang="en-US" altLang="zh-CN" sz="2000"/>
+          </a:p>
+          <a:p>
+            <a:pPr indent="457200" algn="just">
+              <a:buFont typeface="Arial" panose="020B0604020202020204" pitchFamily="34" charset="0"/>
+              <a:buNone/>
+            </a:pPr>
+            <a:r>
+              <a:rPr lang="en-US" altLang="zh-CN" sz="2000"/>
+              <a:t>- decision tree</a:t>
+            </a:r>
+            <a:endParaRPr lang="en-US" altLang="zh-CN" sz="2000"/>
+          </a:p>
+          <a:p>
+            <a:pPr marL="285750" indent="-285750" algn="just">
+              <a:buFont typeface="Arial" panose="020B0604020202020204" pitchFamily="34" charset="0"/>
+              <a:buChar char="•"/>
+            </a:pPr>
+            <a:endParaRPr lang="en-US" altLang="zh-CN" sz="2000"/>
           </a:p>
         </p:txBody>
       </p:sp>
@@ -1649,213 +1840,6 @@
 </file>
 
 <file path=ppt/slides/slide6.xml><?xml version="1.0" encoding="utf-8"?>
-<p:sld xmlns:a="http://schemas.openxmlformats.org/drawingml/2006/main" xmlns:r="http://schemas.openxmlformats.org/officeDocument/2006/relationships" xmlns:p="http://schemas.openxmlformats.org/presentationml/2006/main">
-  <p:cSld>
-    <p:spTree>
-      <p:nvGrpSpPr>
-        <p:cNvPr id="1" name=""/>
-        <p:cNvGrpSpPr/>
-        <p:nvPr/>
-      </p:nvGrpSpPr>
-      <p:grpSpPr/>
-      <p:sp>
-        <p:nvSpPr>
-          <p:cNvPr id="2" name="文本框 1"/>
-          <p:cNvSpPr txBox="1"/>
-          <p:nvPr/>
-        </p:nvSpPr>
-        <p:spPr>
-          <a:xfrm>
-            <a:off x="721995" y="533400"/>
-            <a:ext cx="4064000" cy="583565"/>
-          </a:xfrm>
-          <a:prstGeom prst="rect">
-            <a:avLst/>
-          </a:prstGeom>
-          <a:noFill/>
-        </p:spPr>
-        <p:txBody>
-          <a:bodyPr wrap="square" rtlCol="0">
-            <a:spAutoFit/>
-          </a:bodyPr>
-          <a:p>
-            <a:r>
-              <a:rPr lang="en-US" altLang="zh-CN" sz="3200">
-                <a:latin typeface="Impact" panose="020B0806030902050204" pitchFamily="34" charset="0"/>
-                <a:cs typeface="Impact" panose="020B0806030902050204" pitchFamily="34" charset="0"/>
-              </a:rPr>
-              <a:t>progress so far</a:t>
-            </a:r>
-            <a:endParaRPr lang="en-US" altLang="zh-CN" sz="3200">
-              <a:latin typeface="Impact" panose="020B0806030902050204" pitchFamily="34" charset="0"/>
-              <a:cs typeface="Impact" panose="020B0806030902050204" pitchFamily="34" charset="0"/>
-            </a:endParaRPr>
-          </a:p>
-        </p:txBody>
-      </p:sp>
-      <p:sp>
-        <p:nvSpPr>
-          <p:cNvPr id="3" name="文本框 2"/>
-          <p:cNvSpPr txBox="1"/>
-          <p:nvPr/>
-        </p:nvSpPr>
-        <p:spPr>
-          <a:xfrm>
-            <a:off x="721995" y="1610995"/>
-            <a:ext cx="10878820" cy="3636010"/>
-          </a:xfrm>
-          <a:prstGeom prst="rect">
-            <a:avLst/>
-          </a:prstGeom>
-          <a:noFill/>
-        </p:spPr>
-        <p:txBody>
-          <a:bodyPr wrap="square" rtlCol="0">
-            <a:noAutofit/>
-          </a:bodyPr>
-          <a:p>
-            <a:pPr marL="285750" indent="-285750" algn="just">
-              <a:buFont typeface="Arial" panose="020B0604020202020204" pitchFamily="34" charset="0"/>
-              <a:buChar char="•"/>
-            </a:pPr>
-            <a:r>
-              <a:rPr lang="en-US" altLang="zh-CN" sz="2000"/>
-              <a:t>Indentified the data cleaning rules</a:t>
-            </a:r>
-            <a:endParaRPr lang="en-US" altLang="zh-CN" sz="2000"/>
-          </a:p>
-          <a:p>
-            <a:pPr marL="285750" indent="-285750" algn="just">
-              <a:buFont typeface="Arial" panose="020B0604020202020204" pitchFamily="34" charset="0"/>
-              <a:buChar char="•"/>
-            </a:pPr>
-            <a:endParaRPr lang="en-US" altLang="zh-CN" sz="2000"/>
-          </a:p>
-          <a:p>
-            <a:pPr marL="285750" indent="-285750" algn="just">
-              <a:buFont typeface="Arial" panose="020B0604020202020204" pitchFamily="34" charset="0"/>
-              <a:buChar char="•"/>
-            </a:pPr>
-            <a:endParaRPr lang="en-US" altLang="zh-CN" sz="2000"/>
-          </a:p>
-          <a:p>
-            <a:pPr marL="285750" indent="-285750" algn="just">
-              <a:buFont typeface="Arial" panose="020B0604020202020204" pitchFamily="34" charset="0"/>
-              <a:buChar char="•"/>
-            </a:pPr>
-            <a:r>
-              <a:rPr lang="en-US" altLang="zh-CN" sz="2000"/>
-              <a:t>Merging data.csv and log.csv</a:t>
-            </a:r>
-            <a:endParaRPr lang="en-US" altLang="zh-CN" sz="2000"/>
-          </a:p>
-          <a:p>
-            <a:pPr marL="285750" indent="-285750" algn="just">
-              <a:buFont typeface="Arial" panose="020B0604020202020204" pitchFamily="34" charset="0"/>
-              <a:buChar char="•"/>
-            </a:pPr>
-            <a:endParaRPr lang="en-US" altLang="zh-CN" sz="2000"/>
-          </a:p>
-          <a:p>
-            <a:pPr marL="285750" indent="-285750" algn="just">
-              <a:buFont typeface="Arial" panose="020B0604020202020204" pitchFamily="34" charset="0"/>
-              <a:buChar char="•"/>
-            </a:pPr>
-            <a:endParaRPr lang="en-US" altLang="zh-CN" sz="2000"/>
-          </a:p>
-          <a:p>
-            <a:pPr marL="285750" indent="-285750" algn="just">
-              <a:buFont typeface="Arial" panose="020B0604020202020204" pitchFamily="34" charset="0"/>
-              <a:buChar char="•"/>
-            </a:pPr>
-            <a:r>
-              <a:rPr lang="zh-CN" altLang="en-US" sz="2000">
-                <a:sym typeface="+mn-ea"/>
-              </a:rPr>
-              <a:t>Discussed </a:t>
-            </a:r>
-            <a:r>
-              <a:rPr lang="en-US" altLang="zh-CN" sz="2000">
-                <a:sym typeface="+mn-ea"/>
-              </a:rPr>
-              <a:t>the choice of model </a:t>
-            </a:r>
-            <a:r>
-              <a:rPr lang="zh-CN" altLang="en-US" sz="2000">
-                <a:sym typeface="+mn-ea"/>
-              </a:rPr>
-              <a:t>how to</a:t>
-            </a:r>
-            <a:r>
-              <a:rPr lang="en-US" altLang="zh-CN" sz="2000">
-                <a:sym typeface="+mn-ea"/>
-              </a:rPr>
-              <a:t> predict the students’ final score</a:t>
-            </a:r>
-            <a:endParaRPr lang="en-US" altLang="zh-CN" sz="2000">
-              <a:sym typeface="+mn-ea"/>
-            </a:endParaRPr>
-          </a:p>
-          <a:p>
-            <a:pPr indent="457200" algn="just">
-              <a:buFont typeface="Arial" panose="020B0604020202020204" pitchFamily="34" charset="0"/>
-              <a:buNone/>
-            </a:pPr>
-            <a:r>
-              <a:rPr lang="en-US" altLang="zh-CN" sz="2000"/>
-              <a:t>- linear regression</a:t>
-            </a:r>
-            <a:endParaRPr lang="en-US" altLang="zh-CN" sz="2000"/>
-          </a:p>
-          <a:p>
-            <a:pPr indent="457200" algn="just">
-              <a:buFont typeface="Arial" panose="020B0604020202020204" pitchFamily="34" charset="0"/>
-              <a:buNone/>
-            </a:pPr>
-            <a:r>
-              <a:rPr lang="en-US" altLang="zh-CN" sz="2000"/>
-              <a:t>- decision tree</a:t>
-            </a:r>
-            <a:endParaRPr lang="en-US" altLang="zh-CN" sz="2000"/>
-          </a:p>
-          <a:p>
-            <a:pPr marL="285750" indent="-285750" algn="just">
-              <a:buFont typeface="Arial" panose="020B0604020202020204" pitchFamily="34" charset="0"/>
-              <a:buChar char="•"/>
-            </a:pPr>
-            <a:endParaRPr lang="en-US" altLang="zh-CN" sz="2000"/>
-          </a:p>
-          <a:p>
-            <a:pPr marL="285750" indent="-285750" algn="just">
-              <a:buFont typeface="Arial" panose="020B0604020202020204" pitchFamily="34" charset="0"/>
-              <a:buChar char="•"/>
-            </a:pPr>
-            <a:r>
-              <a:rPr lang="zh-CN" altLang="en-US" sz="2000">
-                <a:sym typeface="+mn-ea"/>
-              </a:rPr>
-              <a:t>Discussed how to categorize students' learning patterns, from the initial classification based on grades only to a multi-parameter and multi-dimensional assessment of students' learning status.</a:t>
-            </a:r>
-            <a:endParaRPr lang="en-US" altLang="zh-CN" sz="2000"/>
-          </a:p>
-          <a:p>
-            <a:pPr marL="285750" indent="-285750" algn="just">
-              <a:buFont typeface="Arial" panose="020B0604020202020204" pitchFamily="34" charset="0"/>
-              <a:buChar char="•"/>
-            </a:pPr>
-            <a:endParaRPr lang="en-US" altLang="zh-CN" sz="2000"/>
-          </a:p>
-        </p:txBody>
-      </p:sp>
-    </p:spTree>
-  </p:cSld>
-  <p:clrMapOvr>
-    <a:masterClrMapping/>
-  </p:clrMapOvr>
-</p:sld>
-</file>
-
-<file path=ppt/slides/slide7.xml><?xml version="1.0" encoding="utf-8"?>
 <p:sld xmlns:a="http://schemas.openxmlformats.org/drawingml/2006/main" xmlns:r="http://schemas.openxmlformats.org/officeDocument/2006/relationships" xmlns:p="http://schemas.openxmlformats.org/presentationml/2006/main">
   <p:cSld>
     <p:spTree>
@@ -1927,7 +1911,7 @@
             </a:pPr>
             <a:r>
               <a:rPr lang="en-US" altLang="zh-CN"/>
-              <a:t>what feature should we use when we classify the students ? </a:t>
+              <a:t>What feature should we use when we classify the students </a:t>
             </a:r>
             <a:endParaRPr lang="en-US" altLang="zh-CN"/>
           </a:p>
@@ -1981,7 +1965,7 @@
             </a:pPr>
             <a:r>
               <a:rPr lang="en-US" altLang="zh-CN"/>
-              <a:t>what model should we use when classify the students?</a:t>
+              <a:t>What model should we use when classify the students</a:t>
             </a:r>
             <a:endParaRPr lang="en-US" altLang="zh-CN"/>
           </a:p>
@@ -1999,7 +1983,7 @@
             </a:pPr>
             <a:r>
               <a:rPr lang="en-US" altLang="zh-CN"/>
-              <a:t>- Hierarchical Clustering</a:t>
+              <a:t>- random forest</a:t>
             </a:r>
             <a:endParaRPr lang="en-US" altLang="zh-CN"/>
           </a:p>
@@ -2017,7 +2001,7 @@
             </a:pPr>
             <a:r>
               <a:rPr lang="en-US" altLang="zh-CN"/>
-              <a:t>- K-Means</a:t>
+              <a:t>- K-Nearest Neighbors</a:t>
             </a:r>
             <a:endParaRPr lang="en-US" altLang="zh-CN"/>
           </a:p>
@@ -2031,7 +2015,7 @@
 </p:sld>
 </file>
 
-<file path=ppt/slides/slide8.xml><?xml version="1.0" encoding="utf-8"?>
+<file path=ppt/slides/slide7.xml><?xml version="1.0" encoding="utf-8"?>
 <p:sld xmlns:a="http://schemas.openxmlformats.org/drawingml/2006/main" xmlns:r="http://schemas.openxmlformats.org/officeDocument/2006/relationships" xmlns:p="http://schemas.openxmlformats.org/presentationml/2006/main">
   <p:cSld>
     <p:spTree>
@@ -2056,8 +2040,8 @@
         </p:nvSpPr>
         <p:spPr>
           <a:xfrm>
-            <a:off x="3995911" y="2866391"/>
-            <a:ext cx="4200188" cy="1200329"/>
+            <a:off x="3906843" y="2275206"/>
+            <a:ext cx="4156075" cy="2306955"/>
           </a:xfrm>
           <a:prstGeom prst="rect">
             <a:avLst/>
@@ -2085,7 +2069,32 @@
               </a:rPr>
               <a:t>THANK YOU</a:t>
             </a:r>
-            <a:endParaRPr lang="zh-CN" altLang="en-US" sz="7200" dirty="0">
+            <a:endParaRPr lang="en-US" altLang="zh-CN" sz="7200" dirty="0">
+              <a:solidFill>
+                <a:schemeClr val="tx1">
+                  <a:lumMod val="65000"/>
+                  <a:lumOff val="35000"/>
+                </a:schemeClr>
+              </a:solidFill>
+              <a:latin typeface="Impact" panose="020B0806030902050204" pitchFamily="34" charset="0"/>
+              <a:cs typeface="+mn-ea"/>
+              <a:sym typeface="+mn-lt"/>
+            </a:endParaRPr>
+          </a:p>
+          <a:p>
+            <a:pPr algn="ctr"/>
+            <a:r>
+              <a:rPr lang="en-US" altLang="zh-CN" sz="7200" dirty="0">
+                <a:solidFill>
+                  <a:srgbClr val="48A2A0"/>
+                </a:solidFill>
+                <a:latin typeface="Impact" panose="020B0806030902050204" pitchFamily="34" charset="0"/>
+                <a:cs typeface="+mn-ea"/>
+                <a:sym typeface="+mn-lt"/>
+              </a:rPr>
+              <a:t>Q&amp;A</a:t>
+            </a:r>
+            <a:endParaRPr lang="en-US" altLang="zh-CN" sz="7200" dirty="0">
               <a:solidFill>
                 <a:srgbClr val="48A2A0"/>
               </a:solidFill>

--- a/Slides/T20.pptx
+++ b/Slides/T20.pptx
@@ -1769,16 +1769,16 @@
               <a:buChar char="•"/>
             </a:pPr>
             <a:r>
-              <a:rPr lang="zh-CN" altLang="en-US" sz="2000">
+              <a:rPr lang="en-US" sz="2000">
                 <a:sym typeface="+mn-ea"/>
               </a:rPr>
-              <a:t>Discussed </a:t>
+              <a:t>train</a:t>
             </a:r>
             <a:r>
               <a:rPr lang="en-US" altLang="zh-CN" sz="2000">
                 <a:sym typeface="+mn-ea"/>
               </a:rPr>
-              <a:t>the choice of model on predicting the students’ final score</a:t>
+              <a:t> models on predicting the students’ final score</a:t>
             </a:r>
             <a:endParaRPr lang="en-US" altLang="zh-CN" sz="2000">
               <a:sym typeface="+mn-ea"/>
@@ -1823,6 +1823,28 @@
             <a:endParaRPr lang="en-US" altLang="zh-CN" sz="2000"/>
           </a:p>
           <a:p>
+            <a:pPr indent="457200" algn="just">
+              <a:buFont typeface="Arial" panose="020B0604020202020204" pitchFamily="34" charset="0"/>
+              <a:buNone/>
+            </a:pPr>
+            <a:endParaRPr lang="en-US" altLang="zh-CN" sz="2000"/>
+          </a:p>
+          <a:p>
+            <a:pPr indent="457200" algn="just">
+              <a:buFont typeface="Arial" panose="020B0604020202020204" pitchFamily="34" charset="0"/>
+              <a:buNone/>
+            </a:pPr>
+            <a:r>
+              <a:rPr lang="en-US" altLang="zh-CN" sz="2000"/>
+              <a:t>- </a:t>
+            </a:r>
+            <a:r>
+              <a:rPr lang="en-US" altLang="zh-CN" sz="2000"/>
+              <a:t>random forest(obtained the best performance)</a:t>
+            </a:r>
+            <a:endParaRPr lang="en-US" altLang="zh-CN" sz="2000"/>
+          </a:p>
+          <a:p>
             <a:pPr marL="285750" indent="-285750" algn="just">
               <a:buFont typeface="Arial" panose="020B0604020202020204" pitchFamily="34" charset="0"/>
               <a:buChar char="•"/>
@@ -1831,6 +1853,34 @@
           </a:p>
         </p:txBody>
       </p:sp>
+      <p:pic>
+        <p:nvPicPr>
+          <p:cNvPr id="4" name="图片 3"/>
+          <p:cNvPicPr>
+            <a:picLocks noChangeAspect="1"/>
+          </p:cNvPicPr>
+          <p:nvPr>
+            <p:custDataLst>
+              <p:tags r:id="rId1"/>
+            </p:custDataLst>
+          </p:nvPr>
+        </p:nvPicPr>
+        <p:blipFill>
+          <a:blip r:embed="rId2"/>
+          <a:stretch>
+            <a:fillRect/>
+          </a:stretch>
+        </p:blipFill>
+        <p:spPr>
+          <a:xfrm>
+            <a:off x="5848985" y="1195070"/>
+            <a:ext cx="5849620" cy="2234565"/>
+          </a:xfrm>
+          <a:prstGeom prst="rect">
+            <a:avLst/>
+          </a:prstGeom>
+        </p:spPr>
+      </p:pic>
     </p:spTree>
   </p:cSld>
   <p:clrMapOvr>
@@ -2114,6 +2164,12 @@
 </file>
 
 <file path=ppt/tags/tag1.xml><?xml version="1.0" encoding="utf-8"?>
+<p:tagLst xmlns:p="http://schemas.openxmlformats.org/presentationml/2006/main">
+  <p:tag name="KSO_WM_BEAUTIFY_FLAG" val=""/>
+</p:tagLst>
+</file>
+
+<file path=ppt/tags/tag2.xml><?xml version="1.0" encoding="utf-8"?>
 <p:tagLst xmlns:p="http://schemas.openxmlformats.org/presentationml/2006/main">
   <p:tag name="commondata" val="eyJoZGlkIjoiYjI3ZDZiYWQ3MmM2ZjBkNzE4MmYyNjljYzc0MzMyMzYifQ=="/>
 </p:tagLst>

--- a/Slides/T20.pptx
+++ b/Slides/T20.pptx
@@ -13,13 +13,14 @@
     <p:sldId id="300" r:id="rId5"/>
     <p:sldId id="263" r:id="rId6"/>
     <p:sldId id="301" r:id="rId7"/>
-    <p:sldId id="303" r:id="rId9"/>
-    <p:sldId id="276" r:id="rId10"/>
+    <p:sldId id="305" r:id="rId9"/>
+    <p:sldId id="303" r:id="rId10"/>
+    <p:sldId id="276" r:id="rId11"/>
   </p:sldIdLst>
   <p:sldSz cx="12192000" cy="6858000"/>
   <p:notesSz cx="6858000" cy="9144000"/>
   <p:custDataLst>
-    <p:tags r:id="rId14"/>
+    <p:tags r:id="rId15"/>
   </p:custDataLst>
   <p:defaultTextStyle>
     <a:defPPr>
@@ -1005,7 +1006,7 @@
           <a:p>
             <a:pPr algn="ctr"/>
             <a:r>
-              <a:rPr lang="en-US" altLang="zh-CN" sz="3600" dirty="0" smtClean="0">
+              <a:rPr lang="en-US" altLang="zh-CN" sz="4000" dirty="0" smtClean="0">
                 <a:solidFill>
                   <a:schemeClr val="tx1">
                     <a:lumMod val="65000"/>
@@ -1018,7 +1019,7 @@
               </a:rPr>
               <a:t>Analyzing student activity </a:t>
             </a:r>
-            <a:endParaRPr lang="en-US" altLang="zh-CN" sz="3600" dirty="0" smtClean="0">
+            <a:endParaRPr lang="en-US" altLang="zh-CN" sz="4000" dirty="0" smtClean="0">
               <a:solidFill>
                 <a:schemeClr val="tx1">
                   <a:lumMod val="65000"/>
@@ -1033,7 +1034,7 @@
           <a:p>
             <a:pPr algn="ctr"/>
             <a:r>
-              <a:rPr lang="en-US" altLang="zh-CN" sz="3600" dirty="0" smtClean="0">
+              <a:rPr lang="en-US" altLang="zh-CN" sz="4000" dirty="0" smtClean="0">
                 <a:solidFill>
                   <a:schemeClr val="tx1">
                     <a:lumMod val="65000"/>
@@ -1046,7 +1047,7 @@
               </a:rPr>
               <a:t>in the Computer Programming course</a:t>
             </a:r>
-            <a:endParaRPr lang="en-US" altLang="zh-CN" sz="3600" dirty="0" smtClean="0">
+            <a:endParaRPr lang="en-US" altLang="zh-CN" sz="4000" dirty="0" smtClean="0">
               <a:solidFill>
                 <a:schemeClr val="tx1">
                   <a:lumMod val="65000"/>
@@ -1242,13 +1243,13 @@
           </a:bodyPr>
           <a:p>
             <a:r>
-              <a:rPr lang="en-US" altLang="zh-CN" sz="3200">
+              <a:rPr lang="en-US" altLang="zh-CN" sz="4000">
                 <a:latin typeface="Impact" panose="020B0806030902050204" pitchFamily="34" charset="0"/>
                 <a:cs typeface="Impact" panose="020B0806030902050204" pitchFamily="34" charset="0"/>
               </a:rPr>
               <a:t>Our team</a:t>
             </a:r>
-            <a:endParaRPr lang="en-US" altLang="zh-CN" sz="3200">
+            <a:endParaRPr lang="en-US" altLang="zh-CN" sz="4000">
               <a:latin typeface="Impact" panose="020B0806030902050204" pitchFamily="34" charset="0"/>
               <a:cs typeface="Impact" panose="020B0806030902050204" pitchFamily="34" charset="0"/>
             </a:endParaRPr>
@@ -1264,7 +1265,7 @@
         <p:spPr>
           <a:xfrm>
             <a:off x="1402080" y="2195830"/>
-            <a:ext cx="9471025" cy="2030095"/>
+            <a:ext cx="9471025" cy="2676525"/>
           </a:xfrm>
           <a:prstGeom prst="rect">
             <a:avLst/>
@@ -1277,62 +1278,64 @@
           </a:bodyPr>
           <a:p>
             <a:r>
-              <a:rPr lang="en-US" altLang="zh-CN"/>
+              <a:rPr lang="en-US" altLang="zh-CN" sz="2400"/>
               <a:t>Lanxiang Zhang-Computer Science MSc, 1st year</a:t>
             </a:r>
-            <a:endParaRPr lang="en-US" altLang="zh-CN"/>
-          </a:p>
-          <a:p>
-            <a:endParaRPr lang="en-US" altLang="zh-CN"/>
-          </a:p>
-          <a:p>
-            <a:r>
-              <a:rPr lang="en-US" altLang="zh-CN"/>
+            <a:endParaRPr lang="en-US" altLang="zh-CN" sz="2400"/>
+          </a:p>
+          <a:p>
+            <a:endParaRPr lang="en-US" altLang="zh-CN" sz="2400"/>
+          </a:p>
+          <a:p>
+            <a:r>
+              <a:rPr lang="en-US" altLang="zh-CN" sz="2400"/>
               <a:t>Jian Zhang</a:t>
             </a:r>
             <a:r>
-              <a:rPr lang="en-US" altLang="zh-CN">
+              <a:rPr lang="en-US" altLang="zh-CN" sz="2400">
                 <a:sym typeface="+mn-ea"/>
               </a:rPr>
               <a:t>-Computer Science MSc, 1st year</a:t>
             </a:r>
-            <a:endParaRPr lang="en-US" altLang="zh-CN">
+            <a:endParaRPr lang="en-US" altLang="zh-CN" sz="2400">
               <a:sym typeface="+mn-ea"/>
             </a:endParaRPr>
           </a:p>
           <a:p>
-            <a:endParaRPr lang="en-US" altLang="zh-CN"/>
-          </a:p>
-          <a:p>
-            <a:r>
-              <a:rPr lang="en-US" altLang="zh-CN"/>
+            <a:endParaRPr lang="en-US" altLang="zh-CN" sz="2400"/>
+          </a:p>
+          <a:p>
+            <a:r>
+              <a:rPr lang="en-US" altLang="zh-CN" sz="2400"/>
               <a:t>Yucui Wu</a:t>
             </a:r>
             <a:r>
-              <a:rPr lang="en-US" altLang="zh-CN">
+              <a:rPr lang="en-US" altLang="zh-CN" sz="2400">
                 <a:sym typeface="+mn-ea"/>
               </a:rPr>
               <a:t>-Computer Science MSc, 1st year</a:t>
             </a:r>
-            <a:endParaRPr lang="en-US" altLang="zh-CN">
+            <a:endParaRPr lang="en-US" altLang="zh-CN" sz="2400">
               <a:sym typeface="+mn-ea"/>
             </a:endParaRPr>
           </a:p>
           <a:p>
-            <a:endParaRPr lang="en-US" altLang="zh-CN"/>
-          </a:p>
-          <a:p>
-            <a:r>
-              <a:rPr lang="en-US" altLang="zh-CN"/>
+            <a:endParaRPr lang="en-US" altLang="zh-CN" sz="2400"/>
+          </a:p>
+          <a:p>
+            <a:r>
+              <a:rPr lang="en-US" altLang="zh-CN" sz="2400"/>
               <a:t>Xinyue Zhang</a:t>
             </a:r>
             <a:r>
-              <a:rPr lang="en-US" altLang="zh-CN">
+              <a:rPr lang="en-US" altLang="zh-CN" sz="2400">
                 <a:sym typeface="+mn-ea"/>
               </a:rPr>
               <a:t>-Computer Science MSc, 1st year</a:t>
             </a:r>
-            <a:endParaRPr lang="en-US" altLang="zh-CN"/>
+            <a:endParaRPr lang="en-US" altLang="zh-CN" sz="2400">
+              <a:sym typeface="+mn-ea"/>
+            </a:endParaRPr>
           </a:p>
         </p:txBody>
       </p:sp>
@@ -1376,13 +1379,13 @@
           </a:bodyPr>
           <a:p>
             <a:r>
-              <a:rPr lang="en-US" altLang="zh-CN" sz="3200">
+              <a:rPr lang="en-US" altLang="zh-CN" sz="4000">
                 <a:latin typeface="Impact" panose="020B0806030902050204" pitchFamily="34" charset="0"/>
                 <a:cs typeface="Impact" panose="020B0806030902050204" pitchFamily="34" charset="0"/>
               </a:rPr>
               <a:t>project owner</a:t>
             </a:r>
-            <a:endParaRPr lang="en-US" altLang="zh-CN" sz="3200">
+            <a:endParaRPr lang="en-US" altLang="zh-CN" sz="4000">
               <a:latin typeface="Impact" panose="020B0806030902050204" pitchFamily="34" charset="0"/>
               <a:cs typeface="Impact" panose="020B0806030902050204" pitchFamily="34" charset="0"/>
             </a:endParaRPr>
@@ -1398,7 +1401,7 @@
         <p:spPr>
           <a:xfrm>
             <a:off x="887730" y="2691130"/>
-            <a:ext cx="10986135" cy="2030095"/>
+            <a:ext cx="10986135" cy="2676525"/>
           </a:xfrm>
           <a:prstGeom prst="rect">
             <a:avLst/>
@@ -1411,56 +1414,56 @@
           </a:bodyPr>
           <a:p>
             <a:r>
-              <a:rPr lang="zh-CN" altLang="en-US"/>
+              <a:rPr lang="zh-CN" altLang="en-US" sz="2400"/>
               <a:t>Reimo Palm</a:t>
             </a:r>
-            <a:endParaRPr lang="zh-CN" altLang="en-US"/>
-          </a:p>
-          <a:p>
-            <a:endParaRPr lang="zh-CN" altLang="en-US"/>
-          </a:p>
-          <a:p>
-            <a:r>
-              <a:rPr lang="zh-CN" altLang="en-US"/>
+            <a:endParaRPr lang="zh-CN" altLang="en-US" sz="2400"/>
+          </a:p>
+          <a:p>
+            <a:endParaRPr lang="zh-CN" altLang="en-US" sz="2400"/>
+          </a:p>
+          <a:p>
+            <a:r>
+              <a:rPr lang="zh-CN" altLang="en-US" sz="2400"/>
               <a:t>Institute of Computer Science</a:t>
             </a:r>
-            <a:endParaRPr lang="zh-CN" altLang="en-US"/>
-          </a:p>
-          <a:p>
-            <a:endParaRPr lang="zh-CN" altLang="en-US"/>
-          </a:p>
-          <a:p>
-            <a:r>
-              <a:rPr lang="zh-CN" altLang="en-US"/>
+            <a:endParaRPr lang="zh-CN" altLang="en-US" sz="2400"/>
+          </a:p>
+          <a:p>
+            <a:endParaRPr lang="zh-CN" altLang="en-US" sz="2400"/>
+          </a:p>
+          <a:p>
+            <a:r>
+              <a:rPr lang="zh-CN" altLang="en-US" sz="2400"/>
               <a:t>Chair</a:t>
             </a:r>
             <a:r>
-              <a:rPr lang="en-US" altLang="zh-CN"/>
+              <a:rPr lang="en-US" altLang="zh-CN" sz="2400"/>
               <a:t> </a:t>
             </a:r>
             <a:r>
-              <a:rPr lang="zh-CN" altLang="en-US"/>
+              <a:rPr lang="zh-CN" altLang="en-US" sz="2400"/>
               <a:t>of Programming Languages and Systems</a:t>
             </a:r>
-            <a:endParaRPr lang="zh-CN" altLang="en-US"/>
-          </a:p>
-          <a:p>
-            <a:endParaRPr lang="zh-CN" altLang="en-US"/>
-          </a:p>
-          <a:p>
-            <a:r>
-              <a:rPr lang="zh-CN" altLang="en-US"/>
+            <a:endParaRPr lang="zh-CN" altLang="en-US" sz="2400"/>
+          </a:p>
+          <a:p>
+            <a:endParaRPr lang="zh-CN" altLang="en-US" sz="2400"/>
+          </a:p>
+          <a:p>
+            <a:r>
+              <a:rPr lang="zh-CN" altLang="en-US" sz="2400"/>
               <a:t>Lecturer in</a:t>
             </a:r>
             <a:r>
-              <a:rPr lang="en-US" altLang="zh-CN"/>
+              <a:rPr lang="en-US" altLang="zh-CN" sz="2400"/>
               <a:t> </a:t>
             </a:r>
             <a:r>
-              <a:rPr lang="zh-CN" altLang="en-US"/>
+              <a:rPr lang="zh-CN" altLang="en-US" sz="2400"/>
               <a:t>Informatics</a:t>
             </a:r>
-            <a:endParaRPr lang="zh-CN" altLang="en-US"/>
+            <a:endParaRPr lang="zh-CN" altLang="en-US" sz="2400"/>
           </a:p>
         </p:txBody>
       </p:sp>
@@ -1497,8 +1500,8 @@
         </p:nvSpPr>
         <p:spPr>
           <a:xfrm>
-            <a:off x="488950" y="3818255"/>
-            <a:ext cx="8193405" cy="2030095"/>
+            <a:off x="488950" y="4378960"/>
+            <a:ext cx="8193405" cy="1938020"/>
           </a:xfrm>
           <a:prstGeom prst="rect">
             <a:avLst/>
@@ -1511,36 +1514,30 @@
           </a:bodyPr>
           <a:p>
             <a:r>
-              <a:rPr lang="zh-CN" altLang="en-US"/>
+              <a:rPr lang="zh-CN" altLang="en-US" sz="2400"/>
               <a:t>Students can adjust their learning status in time</a:t>
             </a:r>
-            <a:endParaRPr lang="zh-CN" altLang="en-US"/>
-          </a:p>
-          <a:p>
-            <a:endParaRPr lang="zh-CN" altLang="en-US"/>
-          </a:p>
-          <a:p>
-            <a:endParaRPr lang="zh-CN" altLang="en-US"/>
-          </a:p>
-          <a:p>
-            <a:r>
-              <a:rPr lang="zh-CN" altLang="en-US"/>
+            <a:endParaRPr lang="zh-CN" altLang="en-US" sz="2400"/>
+          </a:p>
+          <a:p>
+            <a:endParaRPr lang="zh-CN" altLang="en-US" sz="2400"/>
+          </a:p>
+          <a:p>
+            <a:r>
+              <a:rPr lang="zh-CN" altLang="en-US" sz="2400"/>
               <a:t>Teachers can promptly identify students who need help</a:t>
             </a:r>
-            <a:endParaRPr lang="zh-CN" altLang="en-US"/>
-          </a:p>
-          <a:p>
-            <a:endParaRPr lang="zh-CN" altLang="en-US"/>
-          </a:p>
-          <a:p>
-            <a:endParaRPr lang="zh-CN" altLang="en-US"/>
-          </a:p>
-          <a:p>
-            <a:r>
-              <a:rPr lang="zh-CN" altLang="en-US"/>
+            <a:endParaRPr lang="zh-CN" altLang="en-US" sz="2400"/>
+          </a:p>
+          <a:p>
+            <a:endParaRPr lang="zh-CN" altLang="en-US" sz="2400"/>
+          </a:p>
+          <a:p>
+            <a:r>
+              <a:rPr lang="zh-CN" altLang="en-US" sz="2400"/>
               <a:t>Revealing effective learning strategies</a:t>
             </a:r>
-            <a:endParaRPr lang="zh-CN" altLang="en-US"/>
+            <a:endParaRPr lang="zh-CN" altLang="en-US" sz="2400"/>
           </a:p>
         </p:txBody>
       </p:sp>
@@ -1553,7 +1550,7 @@
         <p:spPr>
           <a:xfrm>
             <a:off x="488950" y="637540"/>
-            <a:ext cx="7338695" cy="1193800"/>
+            <a:ext cx="9534525" cy="1193800"/>
           </a:xfrm>
           <a:prstGeom prst="rect">
             <a:avLst/>
@@ -1566,13 +1563,13 @@
           </a:bodyPr>
           <a:p>
             <a:r>
-              <a:rPr lang="en-US" altLang="zh-CN" sz="3200">
+              <a:rPr lang="en-US" altLang="zh-CN" sz="4000">
                 <a:latin typeface="Impact" panose="020B0806030902050204" pitchFamily="34" charset="0"/>
                 <a:cs typeface="Impact" panose="020B0806030902050204" pitchFamily="34" charset="0"/>
               </a:rPr>
               <a:t>What problem and Why need to solve it ?</a:t>
             </a:r>
-            <a:endParaRPr lang="en-US" altLang="zh-CN" sz="3200">
+            <a:endParaRPr lang="en-US" altLang="zh-CN" sz="4000">
               <a:latin typeface="Impact" panose="020B0806030902050204" pitchFamily="34" charset="0"/>
               <a:cs typeface="Impact" panose="020B0806030902050204" pitchFamily="34" charset="0"/>
             </a:endParaRPr>
@@ -1588,7 +1585,7 @@
         <p:spPr>
           <a:xfrm>
             <a:off x="488950" y="2127885"/>
-            <a:ext cx="10400665" cy="1198880"/>
+            <a:ext cx="10400665" cy="1568450"/>
           </a:xfrm>
           <a:prstGeom prst="rect">
             <a:avLst/>
@@ -1605,20 +1602,20 @@
               <a:buChar char="•"/>
             </a:pPr>
             <a:r>
-              <a:rPr lang="zh-CN" altLang="en-US"/>
+              <a:rPr lang="zh-CN" altLang="en-US" sz="2400"/>
               <a:t>Predict the final score based on their early activity</a:t>
             </a:r>
-            <a:endParaRPr lang="zh-CN" altLang="en-US"/>
+            <a:endParaRPr lang="zh-CN" altLang="en-US" sz="2400"/>
           </a:p>
           <a:p>
             <a:pPr marL="285750" indent="-285750">
               <a:buFont typeface="Arial" panose="020B0604020202020204" pitchFamily="34" charset="0"/>
               <a:buChar char="•"/>
             </a:pPr>
-            <a:endParaRPr lang="zh-CN" altLang="en-US"/>
-          </a:p>
-          <a:p>
-            <a:endParaRPr lang="zh-CN" altLang="en-US"/>
+            <a:endParaRPr lang="zh-CN" altLang="en-US" sz="2400"/>
+          </a:p>
+          <a:p>
+            <a:endParaRPr lang="zh-CN" altLang="en-US" sz="2400"/>
           </a:p>
           <a:p>
             <a:pPr marL="285750" indent="-285750">
@@ -1626,10 +1623,10 @@
               <a:buChar char="•"/>
             </a:pPr>
             <a:r>
-              <a:rPr lang="zh-CN" altLang="en-US"/>
+              <a:rPr lang="zh-CN" altLang="en-US" sz="2400"/>
               <a:t>Classify the students based on their typical study patterns</a:t>
             </a:r>
-            <a:endParaRPr lang="zh-CN" altLang="en-US"/>
+            <a:endParaRPr lang="zh-CN" altLang="en-US" sz="2400"/>
           </a:p>
         </p:txBody>
       </p:sp>
@@ -1680,13 +1677,13 @@
           </a:bodyPr>
           <a:p>
             <a:r>
-              <a:rPr lang="en-US" altLang="zh-CN" sz="3200">
+              <a:rPr lang="en-US" altLang="zh-CN" sz="4000">
                 <a:latin typeface="Impact" panose="020B0806030902050204" pitchFamily="34" charset="0"/>
                 <a:cs typeface="Impact" panose="020B0806030902050204" pitchFamily="34" charset="0"/>
               </a:rPr>
-              <a:t>progress so far &amp; problems</a:t>
-            </a:r>
-            <a:endParaRPr lang="en-US" altLang="zh-CN" sz="3200">
+              <a:t>progress so far</a:t>
+            </a:r>
+            <a:endParaRPr lang="en-US" altLang="zh-CN" sz="4000">
               <a:latin typeface="Impact" panose="020B0806030902050204" pitchFamily="34" charset="0"/>
               <a:cs typeface="Impact" panose="020B0806030902050204" pitchFamily="34" charset="0"/>
             </a:endParaRPr>
@@ -1701,7 +1698,7 @@
         </p:nvSpPr>
         <p:spPr>
           <a:xfrm>
-            <a:off x="721995" y="1711325"/>
+            <a:off x="721995" y="1332865"/>
             <a:ext cx="11061700" cy="4438015"/>
           </a:xfrm>
           <a:prstGeom prst="rect">
@@ -1719,68 +1716,54 @@
               <a:buChar char="•"/>
             </a:pPr>
             <a:r>
-              <a:rPr lang="en-US" altLang="zh-CN" sz="2000"/>
+              <a:rPr lang="en-US" altLang="zh-CN" sz="2400"/>
               <a:t>Indentified the data cleaning rules</a:t>
             </a:r>
-            <a:endParaRPr lang="en-US" altLang="zh-CN" sz="2000"/>
+            <a:endParaRPr lang="en-US" altLang="zh-CN" sz="2400"/>
           </a:p>
           <a:p>
             <a:pPr indent="0" algn="just">
               <a:buFont typeface="Arial" panose="020B0604020202020204" pitchFamily="34" charset="0"/>
               <a:buNone/>
             </a:pPr>
-            <a:endParaRPr lang="en-US" altLang="zh-CN" sz="2000"/>
+            <a:endParaRPr lang="en-US" altLang="zh-CN" sz="2400"/>
           </a:p>
           <a:p>
             <a:pPr marL="285750" indent="-285750" algn="just">
               <a:buFont typeface="Arial" panose="020B0604020202020204" pitchFamily="34" charset="0"/>
               <a:buChar char="•"/>
             </a:pPr>
-            <a:endParaRPr lang="en-US" altLang="zh-CN" sz="2000"/>
+            <a:r>
+              <a:rPr lang="en-US" altLang="zh-CN" sz="2400"/>
+              <a:t>Merging data.csv and log.csv</a:t>
+            </a:r>
+            <a:endParaRPr lang="en-US" altLang="zh-CN" sz="2400"/>
           </a:p>
           <a:p>
             <a:pPr marL="285750" indent="-285750" algn="just">
               <a:buFont typeface="Arial" panose="020B0604020202020204" pitchFamily="34" charset="0"/>
               <a:buChar char="•"/>
             </a:pPr>
-            <a:r>
-              <a:rPr lang="en-US" altLang="zh-CN" sz="2000"/>
-              <a:t>Merging data.csv and log.csv</a:t>
-            </a:r>
-            <a:endParaRPr lang="en-US" altLang="zh-CN" sz="2000"/>
+            <a:endParaRPr lang="en-US" altLang="zh-CN" sz="2400"/>
           </a:p>
           <a:p>
             <a:pPr marL="285750" indent="-285750" algn="just">
               <a:buFont typeface="Arial" panose="020B0604020202020204" pitchFamily="34" charset="0"/>
               <a:buChar char="•"/>
             </a:pPr>
-            <a:endParaRPr lang="en-US" altLang="zh-CN" sz="2000"/>
-          </a:p>
-          <a:p>
-            <a:pPr marL="285750" indent="-285750" algn="just">
-              <a:buFont typeface="Arial" panose="020B0604020202020204" pitchFamily="34" charset="0"/>
-              <a:buChar char="•"/>
-            </a:pPr>
-            <a:endParaRPr lang="en-US" altLang="zh-CN" sz="2000"/>
-          </a:p>
-          <a:p>
-            <a:pPr marL="285750" indent="-285750" algn="just">
-              <a:buFont typeface="Arial" panose="020B0604020202020204" pitchFamily="34" charset="0"/>
-              <a:buChar char="•"/>
-            </a:pPr>
-            <a:r>
-              <a:rPr lang="en-US" sz="2000">
+            <a:r>
+              <a:rPr lang="en-US" sz="2400">
                 <a:sym typeface="+mn-ea"/>
               </a:rPr>
-              <a:t>train</a:t>
-            </a:r>
-            <a:r>
-              <a:rPr lang="en-US" altLang="zh-CN" sz="2000">
+              <a:t>Train</a:t>
+            </a:r>
+            <a:r>
+              <a:rPr lang="en-US" altLang="zh-CN" sz="2400">
                 <a:sym typeface="+mn-ea"/>
               </a:rPr>
               <a:t> models on predicting the students’ final score</a:t>
             </a:r>
-            <a:endParaRPr lang="en-US" altLang="zh-CN" sz="2000">
+            <a:endParaRPr lang="en-US" altLang="zh-CN" sz="2400">
               <a:sym typeface="+mn-ea"/>
             </a:endParaRPr>
           </a:p>
@@ -1789,67 +1772,18 @@
               <a:buFont typeface="Arial" panose="020B0604020202020204" pitchFamily="34" charset="0"/>
               <a:buChar char="•"/>
             </a:pPr>
-            <a:endParaRPr lang="en-US" altLang="zh-CN" sz="2000">
+            <a:endParaRPr lang="en-US" altLang="zh-CN" sz="2400">
               <a:sym typeface="+mn-ea"/>
             </a:endParaRPr>
           </a:p>
           <a:p>
-            <a:pPr indent="457200" algn="just">
-              <a:buFont typeface="Arial" panose="020B0604020202020204" pitchFamily="34" charset="0"/>
-              <a:buNone/>
-            </a:pPr>
-            <a:r>
-              <a:rPr lang="en-US" altLang="zh-CN" sz="2000"/>
-              <a:t>- linear regression</a:t>
-            </a:r>
-            <a:endParaRPr lang="en-US" altLang="zh-CN" sz="2000"/>
-          </a:p>
-          <a:p>
-            <a:pPr indent="457200" algn="just">
-              <a:buFont typeface="Arial" panose="020B0604020202020204" pitchFamily="34" charset="0"/>
-              <a:buNone/>
-            </a:pPr>
-            <a:endParaRPr lang="en-US" altLang="zh-CN" sz="2000"/>
-          </a:p>
-          <a:p>
-            <a:pPr indent="457200" algn="just">
-              <a:buFont typeface="Arial" panose="020B0604020202020204" pitchFamily="34" charset="0"/>
-              <a:buNone/>
-            </a:pPr>
-            <a:r>
-              <a:rPr lang="en-US" altLang="zh-CN" sz="2000"/>
-              <a:t>- decision tree</a:t>
-            </a:r>
-            <a:endParaRPr lang="en-US" altLang="zh-CN" sz="2000"/>
-          </a:p>
-          <a:p>
-            <a:pPr indent="457200" algn="just">
-              <a:buFont typeface="Arial" panose="020B0604020202020204" pitchFamily="34" charset="0"/>
-              <a:buNone/>
-            </a:pPr>
-            <a:endParaRPr lang="en-US" altLang="zh-CN" sz="2000"/>
-          </a:p>
-          <a:p>
-            <a:pPr indent="457200" algn="just">
-              <a:buFont typeface="Arial" panose="020B0604020202020204" pitchFamily="34" charset="0"/>
-              <a:buNone/>
-            </a:pPr>
-            <a:r>
-              <a:rPr lang="en-US" altLang="zh-CN" sz="2000"/>
-              <a:t>- </a:t>
-            </a:r>
-            <a:r>
-              <a:rPr lang="en-US" altLang="zh-CN" sz="2000"/>
-              <a:t>random forest(obtained the best performance)</a:t>
-            </a:r>
-            <a:endParaRPr lang="en-US" altLang="zh-CN" sz="2000"/>
-          </a:p>
-          <a:p>
             <a:pPr marL="285750" indent="-285750" algn="just">
               <a:buFont typeface="Arial" panose="020B0604020202020204" pitchFamily="34" charset="0"/>
               <a:buChar char="•"/>
             </a:pPr>
-            <a:endParaRPr lang="en-US" altLang="zh-CN" sz="2000"/>
+            <a:endParaRPr lang="en-US" altLang="zh-CN" sz="2400">
+              <a:sym typeface="+mn-ea"/>
+            </a:endParaRPr>
           </a:p>
         </p:txBody>
       </p:sp>
@@ -1873,8 +1807,8 @@
         </p:blipFill>
         <p:spPr>
           <a:xfrm>
-            <a:off x="5848985" y="1195070"/>
-            <a:ext cx="5849620" cy="2234565"/>
+            <a:off x="2397760" y="3633470"/>
+            <a:ext cx="7397115" cy="2825750"/>
           </a:xfrm>
           <a:prstGeom prst="rect">
             <a:avLst/>
@@ -1907,8 +1841,8 @@
         </p:nvSpPr>
         <p:spPr>
           <a:xfrm>
-            <a:off x="954405" y="502285"/>
-            <a:ext cx="4064000" cy="583565"/>
+            <a:off x="815975" y="862965"/>
+            <a:ext cx="4064000" cy="706755"/>
           </a:xfrm>
           <a:prstGeom prst="rect">
             <a:avLst/>
@@ -1921,13 +1855,151 @@
           </a:bodyPr>
           <a:p>
             <a:r>
-              <a:rPr lang="en-US" altLang="zh-CN" sz="3200">
+              <a:rPr lang="en-US" altLang="zh-CN" sz="4000">
+                <a:latin typeface="Impact" panose="020B0806030902050204" pitchFamily="34" charset="0"/>
+                <a:cs typeface="Impact" panose="020B0806030902050204" pitchFamily="34" charset="0"/>
+                <a:sym typeface="+mn-ea"/>
+              </a:rPr>
+              <a:t>problems</a:t>
+            </a:r>
+            <a:endParaRPr lang="en-US" altLang="zh-CN" sz="4000">
+              <a:latin typeface="Impact" panose="020B0806030902050204" pitchFamily="34" charset="0"/>
+              <a:cs typeface="Impact" panose="020B0806030902050204" pitchFamily="34" charset="0"/>
+              <a:sym typeface="+mn-ea"/>
+            </a:endParaRPr>
+          </a:p>
+        </p:txBody>
+      </p:sp>
+      <p:sp>
+        <p:nvSpPr>
+          <p:cNvPr id="5" name="文本框 4"/>
+          <p:cNvSpPr txBox="1"/>
+          <p:nvPr/>
+        </p:nvSpPr>
+        <p:spPr>
+          <a:xfrm>
+            <a:off x="855345" y="2298700"/>
+            <a:ext cx="9171940" cy="2297430"/>
+          </a:xfrm>
+          <a:prstGeom prst="rect">
+            <a:avLst/>
+          </a:prstGeom>
+          <a:noFill/>
+        </p:spPr>
+        <p:txBody>
+          <a:bodyPr wrap="square" rtlCol="0">
+            <a:noAutofit/>
+          </a:bodyPr>
+          <a:p>
+            <a:pPr marL="285750" indent="-285750">
+              <a:buFont typeface="Arial" panose="020B0604020202020204" pitchFamily="34" charset="0"/>
+              <a:buChar char="•"/>
+            </a:pPr>
+            <a:r>
+              <a:rPr lang="en-US" altLang="zh-CN" sz="2400"/>
+              <a:t>What kind of data should we discard?</a:t>
+            </a:r>
+            <a:endParaRPr lang="en-US" altLang="zh-CN" sz="2400"/>
+          </a:p>
+          <a:p>
+            <a:pPr marL="285750" indent="-285750">
+              <a:buFont typeface="Arial" panose="020B0604020202020204" pitchFamily="34" charset="0"/>
+              <a:buChar char="•"/>
+            </a:pPr>
+            <a:endParaRPr lang="en-US" altLang="zh-CN" sz="2400"/>
+          </a:p>
+          <a:p>
+            <a:pPr marL="285750" indent="-285750">
+              <a:buFont typeface="Arial" panose="020B0604020202020204" pitchFamily="34" charset="0"/>
+              <a:buChar char="•"/>
+            </a:pPr>
+            <a:endParaRPr lang="en-US" altLang="zh-CN" sz="2400"/>
+          </a:p>
+          <a:p>
+            <a:pPr marL="285750" indent="-285750">
+              <a:buFont typeface="Arial" panose="020B0604020202020204" pitchFamily="34" charset="0"/>
+              <a:buChar char="•"/>
+            </a:pPr>
+            <a:r>
+              <a:rPr lang="en-US" altLang="zh-CN" sz="2400"/>
+              <a:t>What feature should we use to predict the final score?</a:t>
+            </a:r>
+            <a:endParaRPr lang="en-US" altLang="zh-CN" sz="2400"/>
+          </a:p>
+          <a:p>
+            <a:pPr marL="285750" indent="-285750">
+              <a:buFont typeface="Arial" panose="020B0604020202020204" pitchFamily="34" charset="0"/>
+              <a:buChar char="•"/>
+            </a:pPr>
+            <a:endParaRPr lang="en-US" altLang="zh-CN" sz="2400"/>
+          </a:p>
+          <a:p>
+            <a:pPr marL="285750" indent="-285750">
+              <a:buFont typeface="Arial" panose="020B0604020202020204" pitchFamily="34" charset="0"/>
+              <a:buChar char="•"/>
+            </a:pPr>
+            <a:endParaRPr lang="en-US" altLang="zh-CN" sz="2400"/>
+          </a:p>
+          <a:p>
+            <a:pPr marL="285750" indent="-285750">
+              <a:buFont typeface="Arial" panose="020B0604020202020204" pitchFamily="34" charset="0"/>
+              <a:buChar char="•"/>
+            </a:pPr>
+            <a:r>
+              <a:rPr lang="en-US" altLang="zh-CN" sz="2400"/>
+              <a:t>How can we merge two files?</a:t>
+            </a:r>
+            <a:endParaRPr lang="en-US" altLang="zh-CN" sz="2400"/>
+          </a:p>
+        </p:txBody>
+      </p:sp>
+    </p:spTree>
+  </p:cSld>
+  <p:clrMapOvr>
+    <a:masterClrMapping/>
+  </p:clrMapOvr>
+</p:sld>
+</file>
+
+<file path=ppt/slides/slide7.xml><?xml version="1.0" encoding="utf-8"?>
+<p:sld xmlns:a="http://schemas.openxmlformats.org/drawingml/2006/main" xmlns:r="http://schemas.openxmlformats.org/officeDocument/2006/relationships" xmlns:p="http://schemas.openxmlformats.org/presentationml/2006/main">
+  <p:cSld>
+    <p:spTree>
+      <p:nvGrpSpPr>
+        <p:cNvPr id="1" name=""/>
+        <p:cNvGrpSpPr/>
+        <p:nvPr/>
+      </p:nvGrpSpPr>
+      <p:grpSpPr/>
+      <p:sp>
+        <p:nvSpPr>
+          <p:cNvPr id="2" name="文本框 1"/>
+          <p:cNvSpPr txBox="1"/>
+          <p:nvPr/>
+        </p:nvSpPr>
+        <p:spPr>
+          <a:xfrm>
+            <a:off x="954405" y="502285"/>
+            <a:ext cx="4064000" cy="706755"/>
+          </a:xfrm>
+          <a:prstGeom prst="rect">
+            <a:avLst/>
+          </a:prstGeom>
+          <a:noFill/>
+        </p:spPr>
+        <p:txBody>
+          <a:bodyPr wrap="square" rtlCol="0">
+            <a:spAutoFit/>
+          </a:bodyPr>
+          <a:p>
+            <a:r>
+              <a:rPr lang="en-US" altLang="zh-CN" sz="4000">
                 <a:latin typeface="Impact" panose="020B0806030902050204" pitchFamily="34" charset="0"/>
                 <a:cs typeface="Impact" panose="020B0806030902050204" pitchFamily="34" charset="0"/>
               </a:rPr>
               <a:t>Future</a:t>
             </a:r>
-            <a:endParaRPr lang="en-US" altLang="zh-CN" sz="3200">
+            <a:endParaRPr lang="en-US" altLang="zh-CN" sz="4000">
               <a:latin typeface="Impact" panose="020B0806030902050204" pitchFamily="34" charset="0"/>
               <a:cs typeface="Impact" panose="020B0806030902050204" pitchFamily="34" charset="0"/>
             </a:endParaRPr>
@@ -1960,100 +2032,92 @@
               <a:buChar char="•"/>
             </a:pPr>
             <a:r>
-              <a:rPr lang="en-US" altLang="zh-CN"/>
+              <a:rPr lang="en-US" altLang="zh-CN" sz="2400"/>
               <a:t>What feature should we use when we classify the students </a:t>
             </a:r>
-            <a:endParaRPr lang="en-US" altLang="zh-CN"/>
+            <a:endParaRPr lang="en-US" altLang="zh-CN" sz="2400"/>
           </a:p>
           <a:p>
             <a:pPr marL="285750" indent="-285750">
               <a:buFont typeface="Arial" panose="020B0604020202020204" pitchFamily="34" charset="0"/>
               <a:buChar char="•"/>
             </a:pPr>
-            <a:endParaRPr lang="en-US" altLang="zh-CN"/>
-          </a:p>
-          <a:p>
-            <a:pPr indent="457200">
+            <a:endParaRPr lang="en-US" altLang="zh-CN" sz="2400"/>
+          </a:p>
+          <a:p>
+            <a:pPr marL="285750" indent="-285750">
+              <a:buFont typeface="Arial" panose="020B0604020202020204" pitchFamily="34" charset="0"/>
+              <a:buChar char="•"/>
+            </a:pPr>
+            <a:endParaRPr lang="en-US" altLang="zh-CN" sz="2400"/>
+          </a:p>
+          <a:p>
+            <a:pPr marL="285750" indent="-285750">
+              <a:buFont typeface="Arial" panose="020B0604020202020204" pitchFamily="34" charset="0"/>
+              <a:buChar char="•"/>
+            </a:pPr>
+            <a:r>
+              <a:rPr lang="en-US" altLang="zh-CN" sz="2400"/>
+              <a:t>Student Classification</a:t>
+            </a:r>
+            <a:endParaRPr lang="en-US" altLang="zh-CN" sz="2400"/>
+          </a:p>
+          <a:p>
+            <a:pPr marL="285750" indent="-285750">
+              <a:buFont typeface="Arial" panose="020B0604020202020204" pitchFamily="34" charset="0"/>
+              <a:buChar char="•"/>
+            </a:pPr>
+            <a:endParaRPr lang="en-US" altLang="zh-CN" sz="2400"/>
+          </a:p>
+          <a:p>
+            <a:pPr lvl="1" indent="0">
               <a:buFont typeface="Arial" panose="020B0604020202020204" pitchFamily="34" charset="0"/>
               <a:buNone/>
             </a:pPr>
             <a:r>
-              <a:rPr lang="en-US" altLang="zh-CN"/>
-              <a:t>- the sum of attempts and the relationship with the final grade</a:t>
-            </a:r>
-            <a:endParaRPr lang="en-US" altLang="zh-CN"/>
-          </a:p>
-          <a:p>
-            <a:pPr indent="457200">
+              <a:rPr lang="en-US" altLang="zh-CN" sz="2400"/>
+              <a:t>Gifted, hard-working, average, unmotivated</a:t>
+            </a:r>
+            <a:endParaRPr lang="en-US" altLang="zh-CN" sz="2400"/>
+          </a:p>
+          <a:p>
+            <a:pPr lvl="1" indent="0">
               <a:buFont typeface="Arial" panose="020B0604020202020204" pitchFamily="34" charset="0"/>
               <a:buNone/>
             </a:pPr>
-            <a:endParaRPr lang="en-US" altLang="zh-CN"/>
-          </a:p>
-          <a:p>
-            <a:pPr indent="457200">
+            <a:endParaRPr lang="en-US" altLang="zh-CN" sz="2400"/>
+          </a:p>
+          <a:p>
+            <a:pPr marL="285750" indent="-285750">
+              <a:buFont typeface="Arial" panose="020B0604020202020204" pitchFamily="34" charset="0"/>
+              <a:buChar char="•"/>
+            </a:pPr>
+            <a:endParaRPr lang="en-US" altLang="zh-CN" sz="2400"/>
+          </a:p>
+          <a:p>
+            <a:pPr marL="285750" indent="-285750">
+              <a:buFont typeface="Arial" panose="020B0604020202020204" pitchFamily="34" charset="0"/>
+              <a:buChar char="•"/>
+            </a:pPr>
+            <a:r>
+              <a:rPr lang="en-US" altLang="zh-CN" sz="2400"/>
+              <a:t>What model should we use when classify the students</a:t>
+            </a:r>
+            <a:endParaRPr lang="en-US" altLang="zh-CN" sz="2400"/>
+          </a:p>
+          <a:p>
+            <a:pPr marL="285750" indent="-285750">
+              <a:buFont typeface="Arial" panose="020B0604020202020204" pitchFamily="34" charset="0"/>
+              <a:buChar char="•"/>
+            </a:pPr>
+            <a:endParaRPr lang="en-US" altLang="zh-CN" sz="2400"/>
+          </a:p>
+          <a:p>
+            <a:pPr indent="0">
               <a:buFont typeface="Arial" panose="020B0604020202020204" pitchFamily="34" charset="0"/>
               <a:buNone/>
             </a:pPr>
-            <a:r>
-              <a:rPr lang="en-US" altLang="zh-CN"/>
-              <a:t>- the sum of attempts and the relationship with the activity score</a:t>
-            </a:r>
-            <a:endParaRPr lang="en-US" altLang="zh-CN"/>
-          </a:p>
-          <a:p>
-            <a:pPr indent="457200">
-              <a:buFont typeface="Arial" panose="020B0604020202020204" pitchFamily="34" charset="0"/>
-              <a:buNone/>
-            </a:pPr>
-            <a:endParaRPr lang="en-US" altLang="zh-CN"/>
-          </a:p>
-          <a:p>
-            <a:pPr marL="285750" indent="-285750">
-              <a:buFont typeface="Arial" panose="020B0604020202020204" pitchFamily="34" charset="0"/>
-              <a:buChar char="•"/>
-            </a:pPr>
-            <a:r>
-              <a:rPr lang="en-US" altLang="zh-CN"/>
-              <a:t>What model should we use when classify the students</a:t>
-            </a:r>
-            <a:endParaRPr lang="en-US" altLang="zh-CN"/>
-          </a:p>
-          <a:p>
-            <a:pPr marL="285750" indent="-285750">
-              <a:buFont typeface="Arial" panose="020B0604020202020204" pitchFamily="34" charset="0"/>
-              <a:buChar char="•"/>
-            </a:pPr>
-            <a:endParaRPr lang="en-US" altLang="zh-CN"/>
-          </a:p>
-          <a:p>
-            <a:pPr lvl="1" indent="0">
-              <a:buFont typeface="Arial" panose="020B0604020202020204" pitchFamily="34" charset="0"/>
-              <a:buNone/>
-            </a:pPr>
-            <a:r>
-              <a:rPr lang="en-US" altLang="zh-CN"/>
-              <a:t>- random forest</a:t>
-            </a:r>
-            <a:endParaRPr lang="en-US" altLang="zh-CN"/>
-          </a:p>
-          <a:p>
-            <a:pPr lvl="1" indent="0">
-              <a:buFont typeface="Arial" panose="020B0604020202020204" pitchFamily="34" charset="0"/>
-              <a:buNone/>
-            </a:pPr>
-            <a:endParaRPr lang="en-US" altLang="zh-CN"/>
-          </a:p>
-          <a:p>
-            <a:pPr lvl="1" indent="0">
-              <a:buFont typeface="Arial" panose="020B0604020202020204" pitchFamily="34" charset="0"/>
-              <a:buNone/>
-            </a:pPr>
-            <a:r>
-              <a:rPr lang="en-US" altLang="zh-CN"/>
-              <a:t>- K-Nearest Neighbors</a:t>
-            </a:r>
-            <a:endParaRPr lang="en-US" altLang="zh-CN"/>
+            <a:endParaRPr lang="en-US" altLang="zh-CN" sz="2400"/>
           </a:p>
         </p:txBody>
       </p:sp>
@@ -2065,7 +2129,7 @@
 </p:sld>
 </file>
 
-<file path=ppt/slides/slide7.xml><?xml version="1.0" encoding="utf-8"?>
+<file path=ppt/slides/slide8.xml><?xml version="1.0" encoding="utf-8"?>
 <p:sld xmlns:a="http://schemas.openxmlformats.org/drawingml/2006/main" xmlns:r="http://schemas.openxmlformats.org/officeDocument/2006/relationships" xmlns:p="http://schemas.openxmlformats.org/presentationml/2006/main">
   <p:cSld>
     <p:spTree>
